--- a/进展记录汇报/4.9汇报_任憬羿.pptx
+++ b/进展记录汇报/4.9汇报_任憬羿.pptx
@@ -3878,7 +3878,7 @@
                 <a:latin typeface="微软雅黑" panose="020B0503020204020204" pitchFamily="34" charset="-122"/>
                 <a:ea typeface="微软雅黑" panose="020B0503020204020204" pitchFamily="34" charset="-122"/>
               </a:rPr>
-              <a:t>4.2 </a:t>
+              <a:t>4.9 </a:t>
             </a:r>
             <a:r>
               <a:rPr lang="zh-CN" altLang="en-US" sz="4800" dirty="0">
@@ -3962,7 +3962,7 @@
                 <a:latin typeface="楷体" panose="02010609060101010101" pitchFamily="49" charset="-122"/>
                 <a:ea typeface="楷体" panose="02010609060101010101" pitchFamily="49" charset="-122"/>
               </a:rPr>
-              <a:t>2023.4.2</a:t>
+              <a:t>2023.4.9</a:t>
             </a:r>
             <a:endParaRPr lang="zh-CN" altLang="en-US" sz="2000" dirty="0">
               <a:latin typeface="楷体" panose="02010609060101010101" pitchFamily="49" charset="-122"/>
